--- a/ppt 16-9/1384.我心尊主为大.pptx
+++ b/ppt 16-9/1384.我心尊主为大.pptx
@@ -129,7 +129,7 @@
           <p:cNvPr id="2" name="标题 1">
             <a:extLst>
               <a:ext uri="{FF2B5EF4-FFF2-40B4-BE49-F238E27FC236}">
-                <a16:creationId xmlns:a16="http://schemas.microsoft.com/office/drawing/2014/main" id="{229DEEDC-88BF-1A40-0B1E-E1DAD0FEB2B4}"/>
+                <a16:creationId xmlns:a16="http://schemas.microsoft.com/office/drawing/2014/main" id="{F29D253B-5A64-11C8-55FF-8BE23FBE6C0D}"/>
               </a:ext>
             </a:extLst>
           </p:cNvPr>
@@ -166,7 +166,7 @@
           <p:cNvPr id="3" name="副标题 2">
             <a:extLst>
               <a:ext uri="{FF2B5EF4-FFF2-40B4-BE49-F238E27FC236}">
-                <a16:creationId xmlns:a16="http://schemas.microsoft.com/office/drawing/2014/main" id="{D3AF4690-FDBA-0ABA-08C6-965E6936F28D}"/>
+                <a16:creationId xmlns:a16="http://schemas.microsoft.com/office/drawing/2014/main" id="{BC7A3BFB-ED84-C1D3-D1E8-DD6334E19EC9}"/>
               </a:ext>
             </a:extLst>
           </p:cNvPr>
@@ -236,7 +236,7 @@
           <p:cNvPr id="4" name="日期占位符 3">
             <a:extLst>
               <a:ext uri="{FF2B5EF4-FFF2-40B4-BE49-F238E27FC236}">
-                <a16:creationId xmlns:a16="http://schemas.microsoft.com/office/drawing/2014/main" id="{65E4383A-E060-69A8-D604-B6239897BB7D}"/>
+                <a16:creationId xmlns:a16="http://schemas.microsoft.com/office/drawing/2014/main" id="{DA1BD77B-72E1-92F9-AE2E-6B2A3AE4ADED}"/>
               </a:ext>
             </a:extLst>
           </p:cNvPr>
@@ -252,7 +252,7 @@
           <a:bodyPr/>
           <a:lstStyle/>
           <a:p>
-            <a:fld id="{E8919091-905A-4FDC-BA6F-AB4C3BC80C89}" type="datetimeFigureOut">
+            <a:fld id="{71D7DA7C-90F2-4F09-B638-774B62A02030}" type="datetimeFigureOut">
               <a:rPr lang="zh-CN" altLang="en-US" smtClean="0"/>
               <a:t>2024/3/10</a:t>
             </a:fld>
@@ -265,7 +265,7 @@
           <p:cNvPr id="5" name="页脚占位符 4">
             <a:extLst>
               <a:ext uri="{FF2B5EF4-FFF2-40B4-BE49-F238E27FC236}">
-                <a16:creationId xmlns:a16="http://schemas.microsoft.com/office/drawing/2014/main" id="{077281AE-8C2D-1F8A-5AF9-FA9938C2224A}"/>
+                <a16:creationId xmlns:a16="http://schemas.microsoft.com/office/drawing/2014/main" id="{11B79742-773D-3EF4-BC4E-FE5DAB324D27}"/>
               </a:ext>
             </a:extLst>
           </p:cNvPr>
@@ -290,7 +290,7 @@
           <p:cNvPr id="6" name="灯片编号占位符 5">
             <a:extLst>
               <a:ext uri="{FF2B5EF4-FFF2-40B4-BE49-F238E27FC236}">
-                <a16:creationId xmlns:a16="http://schemas.microsoft.com/office/drawing/2014/main" id="{7C443EB8-67AC-2B83-E187-7988E3ABE46C}"/>
+                <a16:creationId xmlns:a16="http://schemas.microsoft.com/office/drawing/2014/main" id="{E096C5DF-2A9B-FEDD-D36C-45A4D5530B97}"/>
               </a:ext>
             </a:extLst>
           </p:cNvPr>
@@ -306,7 +306,7 @@
           <a:bodyPr/>
           <a:lstStyle/>
           <a:p>
-            <a:fld id="{43E01B76-BF95-447A-AB95-6717000AC7B5}" type="slidenum">
+            <a:fld id="{81C50443-BF7D-4D4B-8C57-DD4127DEF340}" type="slidenum">
               <a:rPr lang="zh-CN" altLang="en-US" smtClean="0"/>
               <a:t>‹#›</a:t>
             </a:fld>
@@ -317,7 +317,7 @@
     </p:spTree>
     <p:extLst>
       <p:ext uri="{BB962C8B-B14F-4D97-AF65-F5344CB8AC3E}">
-        <p14:creationId xmlns:p14="http://schemas.microsoft.com/office/powerpoint/2010/main" val="970434253"/>
+        <p14:creationId xmlns:p14="http://schemas.microsoft.com/office/powerpoint/2010/main" val="843104081"/>
       </p:ext>
     </p:extLst>
   </p:cSld>
@@ -349,7 +349,7 @@
           <p:cNvPr id="2" name="标题 1">
             <a:extLst>
               <a:ext uri="{FF2B5EF4-FFF2-40B4-BE49-F238E27FC236}">
-                <a16:creationId xmlns:a16="http://schemas.microsoft.com/office/drawing/2014/main" id="{CC8048CD-6587-994F-9435-281B7ACA9053}"/>
+                <a16:creationId xmlns:a16="http://schemas.microsoft.com/office/drawing/2014/main" id="{CA15D078-E31C-AAB0-0278-E789926895AD}"/>
               </a:ext>
             </a:extLst>
           </p:cNvPr>
@@ -377,7 +377,7 @@
           <p:cNvPr id="3" name="竖排文字占位符 2">
             <a:extLst>
               <a:ext uri="{FF2B5EF4-FFF2-40B4-BE49-F238E27FC236}">
-                <a16:creationId xmlns:a16="http://schemas.microsoft.com/office/drawing/2014/main" id="{1C65A257-142E-C023-7E23-D50020E0E978}"/>
+                <a16:creationId xmlns:a16="http://schemas.microsoft.com/office/drawing/2014/main" id="{A4681E27-77B6-8342-0C90-2F3774BD712A}"/>
               </a:ext>
             </a:extLst>
           </p:cNvPr>
@@ -434,7 +434,7 @@
           <p:cNvPr id="4" name="日期占位符 3">
             <a:extLst>
               <a:ext uri="{FF2B5EF4-FFF2-40B4-BE49-F238E27FC236}">
-                <a16:creationId xmlns:a16="http://schemas.microsoft.com/office/drawing/2014/main" id="{07C442A2-AA05-28FE-F218-9F8B47E4EC17}"/>
+                <a16:creationId xmlns:a16="http://schemas.microsoft.com/office/drawing/2014/main" id="{6E361809-35C1-D7C9-1C2A-BD31E1F5375B}"/>
               </a:ext>
             </a:extLst>
           </p:cNvPr>
@@ -450,7 +450,7 @@
           <a:bodyPr/>
           <a:lstStyle/>
           <a:p>
-            <a:fld id="{E8919091-905A-4FDC-BA6F-AB4C3BC80C89}" type="datetimeFigureOut">
+            <a:fld id="{71D7DA7C-90F2-4F09-B638-774B62A02030}" type="datetimeFigureOut">
               <a:rPr lang="zh-CN" altLang="en-US" smtClean="0"/>
               <a:t>2024/3/10</a:t>
             </a:fld>
@@ -463,7 +463,7 @@
           <p:cNvPr id="5" name="页脚占位符 4">
             <a:extLst>
               <a:ext uri="{FF2B5EF4-FFF2-40B4-BE49-F238E27FC236}">
-                <a16:creationId xmlns:a16="http://schemas.microsoft.com/office/drawing/2014/main" id="{BFD28932-CE41-7C29-34EE-A70C50C25619}"/>
+                <a16:creationId xmlns:a16="http://schemas.microsoft.com/office/drawing/2014/main" id="{6E429060-C3F2-CF77-859F-E13F706DA55C}"/>
               </a:ext>
             </a:extLst>
           </p:cNvPr>
@@ -488,7 +488,7 @@
           <p:cNvPr id="6" name="灯片编号占位符 5">
             <a:extLst>
               <a:ext uri="{FF2B5EF4-FFF2-40B4-BE49-F238E27FC236}">
-                <a16:creationId xmlns:a16="http://schemas.microsoft.com/office/drawing/2014/main" id="{8B5F886B-A788-F59B-1AC6-153617732703}"/>
+                <a16:creationId xmlns:a16="http://schemas.microsoft.com/office/drawing/2014/main" id="{9312BE03-A7B3-1C65-6BB0-D981CAF34B61}"/>
               </a:ext>
             </a:extLst>
           </p:cNvPr>
@@ -504,7 +504,7 @@
           <a:bodyPr/>
           <a:lstStyle/>
           <a:p>
-            <a:fld id="{43E01B76-BF95-447A-AB95-6717000AC7B5}" type="slidenum">
+            <a:fld id="{81C50443-BF7D-4D4B-8C57-DD4127DEF340}" type="slidenum">
               <a:rPr lang="zh-CN" altLang="en-US" smtClean="0"/>
               <a:t>‹#›</a:t>
             </a:fld>
@@ -515,7 +515,7 @@
     </p:spTree>
     <p:extLst>
       <p:ext uri="{BB962C8B-B14F-4D97-AF65-F5344CB8AC3E}">
-        <p14:creationId xmlns:p14="http://schemas.microsoft.com/office/powerpoint/2010/main" val="442129661"/>
+        <p14:creationId xmlns:p14="http://schemas.microsoft.com/office/powerpoint/2010/main" val="1204004495"/>
       </p:ext>
     </p:extLst>
   </p:cSld>
@@ -547,7 +547,7 @@
           <p:cNvPr id="2" name="竖排标题 1">
             <a:extLst>
               <a:ext uri="{FF2B5EF4-FFF2-40B4-BE49-F238E27FC236}">
-                <a16:creationId xmlns:a16="http://schemas.microsoft.com/office/drawing/2014/main" id="{E279643D-9ED6-311E-3DC7-F0938B37909D}"/>
+                <a16:creationId xmlns:a16="http://schemas.microsoft.com/office/drawing/2014/main" id="{A19E87EE-DAB0-7FF4-B87F-86A55450A2D7}"/>
               </a:ext>
             </a:extLst>
           </p:cNvPr>
@@ -580,7 +580,7 @@
           <p:cNvPr id="3" name="竖排文字占位符 2">
             <a:extLst>
               <a:ext uri="{FF2B5EF4-FFF2-40B4-BE49-F238E27FC236}">
-                <a16:creationId xmlns:a16="http://schemas.microsoft.com/office/drawing/2014/main" id="{39E82E96-12B9-A206-A560-7C2421C677D7}"/>
+                <a16:creationId xmlns:a16="http://schemas.microsoft.com/office/drawing/2014/main" id="{8E3A392B-39D7-ACEA-1957-9968AA78EEB0}"/>
               </a:ext>
             </a:extLst>
           </p:cNvPr>
@@ -642,7 +642,7 @@
           <p:cNvPr id="4" name="日期占位符 3">
             <a:extLst>
               <a:ext uri="{FF2B5EF4-FFF2-40B4-BE49-F238E27FC236}">
-                <a16:creationId xmlns:a16="http://schemas.microsoft.com/office/drawing/2014/main" id="{2F6DD6E0-55C5-6397-D780-89DAA309CFF2}"/>
+                <a16:creationId xmlns:a16="http://schemas.microsoft.com/office/drawing/2014/main" id="{64105825-A094-BCB5-DF75-2D6D8777D63A}"/>
               </a:ext>
             </a:extLst>
           </p:cNvPr>
@@ -658,7 +658,7 @@
           <a:bodyPr/>
           <a:lstStyle/>
           <a:p>
-            <a:fld id="{E8919091-905A-4FDC-BA6F-AB4C3BC80C89}" type="datetimeFigureOut">
+            <a:fld id="{71D7DA7C-90F2-4F09-B638-774B62A02030}" type="datetimeFigureOut">
               <a:rPr lang="zh-CN" altLang="en-US" smtClean="0"/>
               <a:t>2024/3/10</a:t>
             </a:fld>
@@ -671,7 +671,7 @@
           <p:cNvPr id="5" name="页脚占位符 4">
             <a:extLst>
               <a:ext uri="{FF2B5EF4-FFF2-40B4-BE49-F238E27FC236}">
-                <a16:creationId xmlns:a16="http://schemas.microsoft.com/office/drawing/2014/main" id="{779591A8-9A6F-BE32-39BA-05CC28AF55D2}"/>
+                <a16:creationId xmlns:a16="http://schemas.microsoft.com/office/drawing/2014/main" id="{1328D7D3-D29E-87FC-2B92-33D0DC19B668}"/>
               </a:ext>
             </a:extLst>
           </p:cNvPr>
@@ -696,7 +696,7 @@
           <p:cNvPr id="6" name="灯片编号占位符 5">
             <a:extLst>
               <a:ext uri="{FF2B5EF4-FFF2-40B4-BE49-F238E27FC236}">
-                <a16:creationId xmlns:a16="http://schemas.microsoft.com/office/drawing/2014/main" id="{1818D09D-479B-CA52-8F16-9350D6B8969C}"/>
+                <a16:creationId xmlns:a16="http://schemas.microsoft.com/office/drawing/2014/main" id="{2147C427-8CDD-7030-E7C9-69D4356E521A}"/>
               </a:ext>
             </a:extLst>
           </p:cNvPr>
@@ -712,7 +712,7 @@
           <a:bodyPr/>
           <a:lstStyle/>
           <a:p>
-            <a:fld id="{43E01B76-BF95-447A-AB95-6717000AC7B5}" type="slidenum">
+            <a:fld id="{81C50443-BF7D-4D4B-8C57-DD4127DEF340}" type="slidenum">
               <a:rPr lang="zh-CN" altLang="en-US" smtClean="0"/>
               <a:t>‹#›</a:t>
             </a:fld>
@@ -723,7 +723,7 @@
     </p:spTree>
     <p:extLst>
       <p:ext uri="{BB962C8B-B14F-4D97-AF65-F5344CB8AC3E}">
-        <p14:creationId xmlns:p14="http://schemas.microsoft.com/office/powerpoint/2010/main" val="3837620160"/>
+        <p14:creationId xmlns:p14="http://schemas.microsoft.com/office/powerpoint/2010/main" val="4101820999"/>
       </p:ext>
     </p:extLst>
   </p:cSld>
@@ -755,7 +755,7 @@
           <p:cNvPr id="2" name="标题 1">
             <a:extLst>
               <a:ext uri="{FF2B5EF4-FFF2-40B4-BE49-F238E27FC236}">
-                <a16:creationId xmlns:a16="http://schemas.microsoft.com/office/drawing/2014/main" id="{60E49AF6-753A-9A5C-1F55-7F26F0E3534A}"/>
+                <a16:creationId xmlns:a16="http://schemas.microsoft.com/office/drawing/2014/main" id="{F2AC4C51-E753-E8B2-F74A-E07E35E9683C}"/>
               </a:ext>
             </a:extLst>
           </p:cNvPr>
@@ -783,7 +783,7 @@
           <p:cNvPr id="3" name="内容占位符 2">
             <a:extLst>
               <a:ext uri="{FF2B5EF4-FFF2-40B4-BE49-F238E27FC236}">
-                <a16:creationId xmlns:a16="http://schemas.microsoft.com/office/drawing/2014/main" id="{0B550270-3D38-FDA1-4B2D-60B0BB91A1FA}"/>
+                <a16:creationId xmlns:a16="http://schemas.microsoft.com/office/drawing/2014/main" id="{45C23404-FCCC-81EA-A737-812AB1D6A539}"/>
               </a:ext>
             </a:extLst>
           </p:cNvPr>
@@ -840,7 +840,7 @@
           <p:cNvPr id="4" name="日期占位符 3">
             <a:extLst>
               <a:ext uri="{FF2B5EF4-FFF2-40B4-BE49-F238E27FC236}">
-                <a16:creationId xmlns:a16="http://schemas.microsoft.com/office/drawing/2014/main" id="{9D46E337-F5B9-74BD-0951-B1C09C7741C5}"/>
+                <a16:creationId xmlns:a16="http://schemas.microsoft.com/office/drawing/2014/main" id="{3224C0AA-BC31-9717-3385-B11B91B2181D}"/>
               </a:ext>
             </a:extLst>
           </p:cNvPr>
@@ -856,7 +856,7 @@
           <a:bodyPr/>
           <a:lstStyle/>
           <a:p>
-            <a:fld id="{E8919091-905A-4FDC-BA6F-AB4C3BC80C89}" type="datetimeFigureOut">
+            <a:fld id="{71D7DA7C-90F2-4F09-B638-774B62A02030}" type="datetimeFigureOut">
               <a:rPr lang="zh-CN" altLang="en-US" smtClean="0"/>
               <a:t>2024/3/10</a:t>
             </a:fld>
@@ -869,7 +869,7 @@
           <p:cNvPr id="5" name="页脚占位符 4">
             <a:extLst>
               <a:ext uri="{FF2B5EF4-FFF2-40B4-BE49-F238E27FC236}">
-                <a16:creationId xmlns:a16="http://schemas.microsoft.com/office/drawing/2014/main" id="{76F1BFDC-2FBB-BB17-211D-C6E1FCA965E1}"/>
+                <a16:creationId xmlns:a16="http://schemas.microsoft.com/office/drawing/2014/main" id="{585D7423-4E5E-6BC1-CCDC-173DD9E1F856}"/>
               </a:ext>
             </a:extLst>
           </p:cNvPr>
@@ -894,7 +894,7 @@
           <p:cNvPr id="6" name="灯片编号占位符 5">
             <a:extLst>
               <a:ext uri="{FF2B5EF4-FFF2-40B4-BE49-F238E27FC236}">
-                <a16:creationId xmlns:a16="http://schemas.microsoft.com/office/drawing/2014/main" id="{FB998CC4-1A03-9642-7C1F-B47D743E61D0}"/>
+                <a16:creationId xmlns:a16="http://schemas.microsoft.com/office/drawing/2014/main" id="{22215E3A-D5B0-EDC6-AABF-6974992DDB02}"/>
               </a:ext>
             </a:extLst>
           </p:cNvPr>
@@ -910,7 +910,7 @@
           <a:bodyPr/>
           <a:lstStyle/>
           <a:p>
-            <a:fld id="{43E01B76-BF95-447A-AB95-6717000AC7B5}" type="slidenum">
+            <a:fld id="{81C50443-BF7D-4D4B-8C57-DD4127DEF340}" type="slidenum">
               <a:rPr lang="zh-CN" altLang="en-US" smtClean="0"/>
               <a:t>‹#›</a:t>
             </a:fld>
@@ -921,7 +921,7 @@
     </p:spTree>
     <p:extLst>
       <p:ext uri="{BB962C8B-B14F-4D97-AF65-F5344CB8AC3E}">
-        <p14:creationId xmlns:p14="http://schemas.microsoft.com/office/powerpoint/2010/main" val="2131039135"/>
+        <p14:creationId xmlns:p14="http://schemas.microsoft.com/office/powerpoint/2010/main" val="2219896571"/>
       </p:ext>
     </p:extLst>
   </p:cSld>
@@ -953,7 +953,7 @@
           <p:cNvPr id="2" name="标题 1">
             <a:extLst>
               <a:ext uri="{FF2B5EF4-FFF2-40B4-BE49-F238E27FC236}">
-                <a16:creationId xmlns:a16="http://schemas.microsoft.com/office/drawing/2014/main" id="{DA23B295-B187-7B31-9073-028380BDF94C}"/>
+                <a16:creationId xmlns:a16="http://schemas.microsoft.com/office/drawing/2014/main" id="{8DF054E5-31E1-1F49-0011-F59050393051}"/>
               </a:ext>
             </a:extLst>
           </p:cNvPr>
@@ -990,7 +990,7 @@
           <p:cNvPr id="3" name="文本占位符 2">
             <a:extLst>
               <a:ext uri="{FF2B5EF4-FFF2-40B4-BE49-F238E27FC236}">
-                <a16:creationId xmlns:a16="http://schemas.microsoft.com/office/drawing/2014/main" id="{B5119526-2896-BBD9-ED7C-E7335C33FDA6}"/>
+                <a16:creationId xmlns:a16="http://schemas.microsoft.com/office/drawing/2014/main" id="{6F598C66-BD6B-E355-DBEA-6DC323FC5275}"/>
               </a:ext>
             </a:extLst>
           </p:cNvPr>
@@ -1115,7 +1115,7 @@
           <p:cNvPr id="4" name="日期占位符 3">
             <a:extLst>
               <a:ext uri="{FF2B5EF4-FFF2-40B4-BE49-F238E27FC236}">
-                <a16:creationId xmlns:a16="http://schemas.microsoft.com/office/drawing/2014/main" id="{60524A9C-5DE6-B089-8A1B-5476E6D2D024}"/>
+                <a16:creationId xmlns:a16="http://schemas.microsoft.com/office/drawing/2014/main" id="{C66E5FED-E597-3A7D-87E2-A82DA878A93A}"/>
               </a:ext>
             </a:extLst>
           </p:cNvPr>
@@ -1131,7 +1131,7 @@
           <a:bodyPr/>
           <a:lstStyle/>
           <a:p>
-            <a:fld id="{E8919091-905A-4FDC-BA6F-AB4C3BC80C89}" type="datetimeFigureOut">
+            <a:fld id="{71D7DA7C-90F2-4F09-B638-774B62A02030}" type="datetimeFigureOut">
               <a:rPr lang="zh-CN" altLang="en-US" smtClean="0"/>
               <a:t>2024/3/10</a:t>
             </a:fld>
@@ -1144,7 +1144,7 @@
           <p:cNvPr id="5" name="页脚占位符 4">
             <a:extLst>
               <a:ext uri="{FF2B5EF4-FFF2-40B4-BE49-F238E27FC236}">
-                <a16:creationId xmlns:a16="http://schemas.microsoft.com/office/drawing/2014/main" id="{60844C88-E0B7-3190-9193-A945475DA15A}"/>
+                <a16:creationId xmlns:a16="http://schemas.microsoft.com/office/drawing/2014/main" id="{95B5FA31-BF37-B02E-3A89-91223FBA9AF4}"/>
               </a:ext>
             </a:extLst>
           </p:cNvPr>
@@ -1169,7 +1169,7 @@
           <p:cNvPr id="6" name="灯片编号占位符 5">
             <a:extLst>
               <a:ext uri="{FF2B5EF4-FFF2-40B4-BE49-F238E27FC236}">
-                <a16:creationId xmlns:a16="http://schemas.microsoft.com/office/drawing/2014/main" id="{D69EC3DA-70AA-961D-1A39-0020D741CC48}"/>
+                <a16:creationId xmlns:a16="http://schemas.microsoft.com/office/drawing/2014/main" id="{DDBAE51C-4B1E-AFE7-F9AA-D47906FB93AF}"/>
               </a:ext>
             </a:extLst>
           </p:cNvPr>
@@ -1185,7 +1185,7 @@
           <a:bodyPr/>
           <a:lstStyle/>
           <a:p>
-            <a:fld id="{43E01B76-BF95-447A-AB95-6717000AC7B5}" type="slidenum">
+            <a:fld id="{81C50443-BF7D-4D4B-8C57-DD4127DEF340}" type="slidenum">
               <a:rPr lang="zh-CN" altLang="en-US" smtClean="0"/>
               <a:t>‹#›</a:t>
             </a:fld>
@@ -1196,7 +1196,7 @@
     </p:spTree>
     <p:extLst>
       <p:ext uri="{BB962C8B-B14F-4D97-AF65-F5344CB8AC3E}">
-        <p14:creationId xmlns:p14="http://schemas.microsoft.com/office/powerpoint/2010/main" val="1743279562"/>
+        <p14:creationId xmlns:p14="http://schemas.microsoft.com/office/powerpoint/2010/main" val="18311440"/>
       </p:ext>
     </p:extLst>
   </p:cSld>
@@ -1228,7 +1228,7 @@
           <p:cNvPr id="2" name="标题 1">
             <a:extLst>
               <a:ext uri="{FF2B5EF4-FFF2-40B4-BE49-F238E27FC236}">
-                <a16:creationId xmlns:a16="http://schemas.microsoft.com/office/drawing/2014/main" id="{FEBDB72B-1E58-36BF-D63A-C3BED7431FD2}"/>
+                <a16:creationId xmlns:a16="http://schemas.microsoft.com/office/drawing/2014/main" id="{9B778BAE-AFF9-1890-66FC-E6345C61B6AA}"/>
               </a:ext>
             </a:extLst>
           </p:cNvPr>
@@ -1256,7 +1256,7 @@
           <p:cNvPr id="3" name="内容占位符 2">
             <a:extLst>
               <a:ext uri="{FF2B5EF4-FFF2-40B4-BE49-F238E27FC236}">
-                <a16:creationId xmlns:a16="http://schemas.microsoft.com/office/drawing/2014/main" id="{223B6A9A-B5AC-93FE-E2F7-96F22FA5B538}"/>
+                <a16:creationId xmlns:a16="http://schemas.microsoft.com/office/drawing/2014/main" id="{B48118A7-46DA-B1C6-ED7E-4BF4B3EC40D8}"/>
               </a:ext>
             </a:extLst>
           </p:cNvPr>
@@ -1318,7 +1318,7 @@
           <p:cNvPr id="4" name="内容占位符 3">
             <a:extLst>
               <a:ext uri="{FF2B5EF4-FFF2-40B4-BE49-F238E27FC236}">
-                <a16:creationId xmlns:a16="http://schemas.microsoft.com/office/drawing/2014/main" id="{1302DB91-C8D8-73A3-0A29-DEFD1E1078C6}"/>
+                <a16:creationId xmlns:a16="http://schemas.microsoft.com/office/drawing/2014/main" id="{26611302-ED89-28FE-EDD4-B916F27D0CE2}"/>
               </a:ext>
             </a:extLst>
           </p:cNvPr>
@@ -1380,7 +1380,7 @@
           <p:cNvPr id="5" name="日期占位符 4">
             <a:extLst>
               <a:ext uri="{FF2B5EF4-FFF2-40B4-BE49-F238E27FC236}">
-                <a16:creationId xmlns:a16="http://schemas.microsoft.com/office/drawing/2014/main" id="{949ED3CD-95D4-BAE8-F887-41C9983AB0FB}"/>
+                <a16:creationId xmlns:a16="http://schemas.microsoft.com/office/drawing/2014/main" id="{CB9B008C-4584-7DE4-E138-E06BD456D639}"/>
               </a:ext>
             </a:extLst>
           </p:cNvPr>
@@ -1396,7 +1396,7 @@
           <a:bodyPr/>
           <a:lstStyle/>
           <a:p>
-            <a:fld id="{E8919091-905A-4FDC-BA6F-AB4C3BC80C89}" type="datetimeFigureOut">
+            <a:fld id="{71D7DA7C-90F2-4F09-B638-774B62A02030}" type="datetimeFigureOut">
               <a:rPr lang="zh-CN" altLang="en-US" smtClean="0"/>
               <a:t>2024/3/10</a:t>
             </a:fld>
@@ -1409,7 +1409,7 @@
           <p:cNvPr id="6" name="页脚占位符 5">
             <a:extLst>
               <a:ext uri="{FF2B5EF4-FFF2-40B4-BE49-F238E27FC236}">
-                <a16:creationId xmlns:a16="http://schemas.microsoft.com/office/drawing/2014/main" id="{6EB68444-BD07-08CD-085E-A54A56936674}"/>
+                <a16:creationId xmlns:a16="http://schemas.microsoft.com/office/drawing/2014/main" id="{744D96CC-5917-3181-B277-E7522A249A3C}"/>
               </a:ext>
             </a:extLst>
           </p:cNvPr>
@@ -1434,7 +1434,7 @@
           <p:cNvPr id="7" name="灯片编号占位符 6">
             <a:extLst>
               <a:ext uri="{FF2B5EF4-FFF2-40B4-BE49-F238E27FC236}">
-                <a16:creationId xmlns:a16="http://schemas.microsoft.com/office/drawing/2014/main" id="{7F2084EB-ECEF-DD55-CFE9-1E82F10858AB}"/>
+                <a16:creationId xmlns:a16="http://schemas.microsoft.com/office/drawing/2014/main" id="{016C9C72-D573-0DE5-2241-677D4FBE8AF3}"/>
               </a:ext>
             </a:extLst>
           </p:cNvPr>
@@ -1450,7 +1450,7 @@
           <a:bodyPr/>
           <a:lstStyle/>
           <a:p>
-            <a:fld id="{43E01B76-BF95-447A-AB95-6717000AC7B5}" type="slidenum">
+            <a:fld id="{81C50443-BF7D-4D4B-8C57-DD4127DEF340}" type="slidenum">
               <a:rPr lang="zh-CN" altLang="en-US" smtClean="0"/>
               <a:t>‹#›</a:t>
             </a:fld>
@@ -1461,7 +1461,7 @@
     </p:spTree>
     <p:extLst>
       <p:ext uri="{BB962C8B-B14F-4D97-AF65-F5344CB8AC3E}">
-        <p14:creationId xmlns:p14="http://schemas.microsoft.com/office/powerpoint/2010/main" val="1417396730"/>
+        <p14:creationId xmlns:p14="http://schemas.microsoft.com/office/powerpoint/2010/main" val="362136318"/>
       </p:ext>
     </p:extLst>
   </p:cSld>
@@ -1493,7 +1493,7 @@
           <p:cNvPr id="2" name="标题 1">
             <a:extLst>
               <a:ext uri="{FF2B5EF4-FFF2-40B4-BE49-F238E27FC236}">
-                <a16:creationId xmlns:a16="http://schemas.microsoft.com/office/drawing/2014/main" id="{D6816BBF-63AC-A463-1B2D-CC50AA0E0462}"/>
+                <a16:creationId xmlns:a16="http://schemas.microsoft.com/office/drawing/2014/main" id="{E7CF3C02-6B61-F8F7-5CA1-EFBCDC4206B0}"/>
               </a:ext>
             </a:extLst>
           </p:cNvPr>
@@ -1526,7 +1526,7 @@
           <p:cNvPr id="3" name="文本占位符 2">
             <a:extLst>
               <a:ext uri="{FF2B5EF4-FFF2-40B4-BE49-F238E27FC236}">
-                <a16:creationId xmlns:a16="http://schemas.microsoft.com/office/drawing/2014/main" id="{4ABA63FF-DB3C-DD1C-0546-C801458C3FBA}"/>
+                <a16:creationId xmlns:a16="http://schemas.microsoft.com/office/drawing/2014/main" id="{59516910-97F1-6250-2062-F86B6E1B36CB}"/>
               </a:ext>
             </a:extLst>
           </p:cNvPr>
@@ -1597,7 +1597,7 @@
           <p:cNvPr id="4" name="内容占位符 3">
             <a:extLst>
               <a:ext uri="{FF2B5EF4-FFF2-40B4-BE49-F238E27FC236}">
-                <a16:creationId xmlns:a16="http://schemas.microsoft.com/office/drawing/2014/main" id="{12DBDF35-CD5D-0089-B428-2A62F8F8D571}"/>
+                <a16:creationId xmlns:a16="http://schemas.microsoft.com/office/drawing/2014/main" id="{8102406B-C933-2D1E-EE45-593D29175D3B}"/>
               </a:ext>
             </a:extLst>
           </p:cNvPr>
@@ -1659,7 +1659,7 @@
           <p:cNvPr id="5" name="文本占位符 4">
             <a:extLst>
               <a:ext uri="{FF2B5EF4-FFF2-40B4-BE49-F238E27FC236}">
-                <a16:creationId xmlns:a16="http://schemas.microsoft.com/office/drawing/2014/main" id="{C18C0BFE-40F2-E709-A0B1-631CBEFB9442}"/>
+                <a16:creationId xmlns:a16="http://schemas.microsoft.com/office/drawing/2014/main" id="{C852926D-87CD-D218-2D57-5A5F8CC961B6}"/>
               </a:ext>
             </a:extLst>
           </p:cNvPr>
@@ -1730,7 +1730,7 @@
           <p:cNvPr id="6" name="内容占位符 5">
             <a:extLst>
               <a:ext uri="{FF2B5EF4-FFF2-40B4-BE49-F238E27FC236}">
-                <a16:creationId xmlns:a16="http://schemas.microsoft.com/office/drawing/2014/main" id="{22926F8E-A176-D31A-F7BA-8F57C9DD7B1B}"/>
+                <a16:creationId xmlns:a16="http://schemas.microsoft.com/office/drawing/2014/main" id="{5CBF9588-1D6E-C753-60E7-7C8165185A07}"/>
               </a:ext>
             </a:extLst>
           </p:cNvPr>
@@ -1792,7 +1792,7 @@
           <p:cNvPr id="7" name="日期占位符 6">
             <a:extLst>
               <a:ext uri="{FF2B5EF4-FFF2-40B4-BE49-F238E27FC236}">
-                <a16:creationId xmlns:a16="http://schemas.microsoft.com/office/drawing/2014/main" id="{373B7739-318F-72E5-7913-2D88AB050336}"/>
+                <a16:creationId xmlns:a16="http://schemas.microsoft.com/office/drawing/2014/main" id="{D7F28F70-535B-AC81-C57D-F1BCEFC40D2B}"/>
               </a:ext>
             </a:extLst>
           </p:cNvPr>
@@ -1808,7 +1808,7 @@
           <a:bodyPr/>
           <a:lstStyle/>
           <a:p>
-            <a:fld id="{E8919091-905A-4FDC-BA6F-AB4C3BC80C89}" type="datetimeFigureOut">
+            <a:fld id="{71D7DA7C-90F2-4F09-B638-774B62A02030}" type="datetimeFigureOut">
               <a:rPr lang="zh-CN" altLang="en-US" smtClean="0"/>
               <a:t>2024/3/10</a:t>
             </a:fld>
@@ -1821,7 +1821,7 @@
           <p:cNvPr id="8" name="页脚占位符 7">
             <a:extLst>
               <a:ext uri="{FF2B5EF4-FFF2-40B4-BE49-F238E27FC236}">
-                <a16:creationId xmlns:a16="http://schemas.microsoft.com/office/drawing/2014/main" id="{8B649020-3088-A0AC-CD35-C353B3892D31}"/>
+                <a16:creationId xmlns:a16="http://schemas.microsoft.com/office/drawing/2014/main" id="{B29B38DA-0E37-939A-0CDE-0F16B5A1C109}"/>
               </a:ext>
             </a:extLst>
           </p:cNvPr>
@@ -1846,7 +1846,7 @@
           <p:cNvPr id="9" name="灯片编号占位符 8">
             <a:extLst>
               <a:ext uri="{FF2B5EF4-FFF2-40B4-BE49-F238E27FC236}">
-                <a16:creationId xmlns:a16="http://schemas.microsoft.com/office/drawing/2014/main" id="{3FB1B479-B45C-1415-BAAE-3FAFAD37FD6A}"/>
+                <a16:creationId xmlns:a16="http://schemas.microsoft.com/office/drawing/2014/main" id="{53FA4E91-29A9-7C04-C678-8179CFB7ECAA}"/>
               </a:ext>
             </a:extLst>
           </p:cNvPr>
@@ -1862,7 +1862,7 @@
           <a:bodyPr/>
           <a:lstStyle/>
           <a:p>
-            <a:fld id="{43E01B76-BF95-447A-AB95-6717000AC7B5}" type="slidenum">
+            <a:fld id="{81C50443-BF7D-4D4B-8C57-DD4127DEF340}" type="slidenum">
               <a:rPr lang="zh-CN" altLang="en-US" smtClean="0"/>
               <a:t>‹#›</a:t>
             </a:fld>
@@ -1873,7 +1873,7 @@
     </p:spTree>
     <p:extLst>
       <p:ext uri="{BB962C8B-B14F-4D97-AF65-F5344CB8AC3E}">
-        <p14:creationId xmlns:p14="http://schemas.microsoft.com/office/powerpoint/2010/main" val="4020159523"/>
+        <p14:creationId xmlns:p14="http://schemas.microsoft.com/office/powerpoint/2010/main" val="819156811"/>
       </p:ext>
     </p:extLst>
   </p:cSld>
@@ -1905,7 +1905,7 @@
           <p:cNvPr id="2" name="标题 1">
             <a:extLst>
               <a:ext uri="{FF2B5EF4-FFF2-40B4-BE49-F238E27FC236}">
-                <a16:creationId xmlns:a16="http://schemas.microsoft.com/office/drawing/2014/main" id="{EDC30345-C0CA-64A2-D45C-0429FE0DFB9D}"/>
+                <a16:creationId xmlns:a16="http://schemas.microsoft.com/office/drawing/2014/main" id="{F90EDFD5-1892-125C-10FB-3206D1E94AAC}"/>
               </a:ext>
             </a:extLst>
           </p:cNvPr>
@@ -1933,7 +1933,7 @@
           <p:cNvPr id="3" name="日期占位符 2">
             <a:extLst>
               <a:ext uri="{FF2B5EF4-FFF2-40B4-BE49-F238E27FC236}">
-                <a16:creationId xmlns:a16="http://schemas.microsoft.com/office/drawing/2014/main" id="{CBF8F9F6-19D5-EE46-C2C2-CF075477F696}"/>
+                <a16:creationId xmlns:a16="http://schemas.microsoft.com/office/drawing/2014/main" id="{6E9A087E-2477-6CE3-0C87-38AD3947B6E1}"/>
               </a:ext>
             </a:extLst>
           </p:cNvPr>
@@ -1949,7 +1949,7 @@
           <a:bodyPr/>
           <a:lstStyle/>
           <a:p>
-            <a:fld id="{E8919091-905A-4FDC-BA6F-AB4C3BC80C89}" type="datetimeFigureOut">
+            <a:fld id="{71D7DA7C-90F2-4F09-B638-774B62A02030}" type="datetimeFigureOut">
               <a:rPr lang="zh-CN" altLang="en-US" smtClean="0"/>
               <a:t>2024/3/10</a:t>
             </a:fld>
@@ -1962,7 +1962,7 @@
           <p:cNvPr id="4" name="页脚占位符 3">
             <a:extLst>
               <a:ext uri="{FF2B5EF4-FFF2-40B4-BE49-F238E27FC236}">
-                <a16:creationId xmlns:a16="http://schemas.microsoft.com/office/drawing/2014/main" id="{3F3BED7C-819E-FA21-27A1-59A6DD89FCD4}"/>
+                <a16:creationId xmlns:a16="http://schemas.microsoft.com/office/drawing/2014/main" id="{493D6667-A074-AF84-779A-8C8034D83EBE}"/>
               </a:ext>
             </a:extLst>
           </p:cNvPr>
@@ -1987,7 +1987,7 @@
           <p:cNvPr id="5" name="灯片编号占位符 4">
             <a:extLst>
               <a:ext uri="{FF2B5EF4-FFF2-40B4-BE49-F238E27FC236}">
-                <a16:creationId xmlns:a16="http://schemas.microsoft.com/office/drawing/2014/main" id="{72403785-7D07-767E-F549-2028BF1A01A3}"/>
+                <a16:creationId xmlns:a16="http://schemas.microsoft.com/office/drawing/2014/main" id="{013CE0E4-9F9D-929A-4D92-379F341A66E3}"/>
               </a:ext>
             </a:extLst>
           </p:cNvPr>
@@ -2003,7 +2003,7 @@
           <a:bodyPr/>
           <a:lstStyle/>
           <a:p>
-            <a:fld id="{43E01B76-BF95-447A-AB95-6717000AC7B5}" type="slidenum">
+            <a:fld id="{81C50443-BF7D-4D4B-8C57-DD4127DEF340}" type="slidenum">
               <a:rPr lang="zh-CN" altLang="en-US" smtClean="0"/>
               <a:t>‹#›</a:t>
             </a:fld>
@@ -2014,7 +2014,7 @@
     </p:spTree>
     <p:extLst>
       <p:ext uri="{BB962C8B-B14F-4D97-AF65-F5344CB8AC3E}">
-        <p14:creationId xmlns:p14="http://schemas.microsoft.com/office/powerpoint/2010/main" val="1386712764"/>
+        <p14:creationId xmlns:p14="http://schemas.microsoft.com/office/powerpoint/2010/main" val="3632835232"/>
       </p:ext>
     </p:extLst>
   </p:cSld>
@@ -2046,7 +2046,7 @@
           <p:cNvPr id="2" name="日期占位符 1">
             <a:extLst>
               <a:ext uri="{FF2B5EF4-FFF2-40B4-BE49-F238E27FC236}">
-                <a16:creationId xmlns:a16="http://schemas.microsoft.com/office/drawing/2014/main" id="{4CCDA41C-42DE-B7E8-8374-CD7ED2D36A6A}"/>
+                <a16:creationId xmlns:a16="http://schemas.microsoft.com/office/drawing/2014/main" id="{3E2EE8C9-2382-221B-D4A3-CAB0E2FF8A2E}"/>
               </a:ext>
             </a:extLst>
           </p:cNvPr>
@@ -2062,7 +2062,7 @@
           <a:bodyPr/>
           <a:lstStyle/>
           <a:p>
-            <a:fld id="{E8919091-905A-4FDC-BA6F-AB4C3BC80C89}" type="datetimeFigureOut">
+            <a:fld id="{71D7DA7C-90F2-4F09-B638-774B62A02030}" type="datetimeFigureOut">
               <a:rPr lang="zh-CN" altLang="en-US" smtClean="0"/>
               <a:t>2024/3/10</a:t>
             </a:fld>
@@ -2075,7 +2075,7 @@
           <p:cNvPr id="3" name="页脚占位符 2">
             <a:extLst>
               <a:ext uri="{FF2B5EF4-FFF2-40B4-BE49-F238E27FC236}">
-                <a16:creationId xmlns:a16="http://schemas.microsoft.com/office/drawing/2014/main" id="{5732742D-EBD5-5936-9C3C-D23A1AA1B5FF}"/>
+                <a16:creationId xmlns:a16="http://schemas.microsoft.com/office/drawing/2014/main" id="{884D056D-7B6C-084E-80EB-A0CB9D69DD1A}"/>
               </a:ext>
             </a:extLst>
           </p:cNvPr>
@@ -2100,7 +2100,7 @@
           <p:cNvPr id="4" name="灯片编号占位符 3">
             <a:extLst>
               <a:ext uri="{FF2B5EF4-FFF2-40B4-BE49-F238E27FC236}">
-                <a16:creationId xmlns:a16="http://schemas.microsoft.com/office/drawing/2014/main" id="{F260273E-D93F-EF69-EE8F-6FAFC4AFD002}"/>
+                <a16:creationId xmlns:a16="http://schemas.microsoft.com/office/drawing/2014/main" id="{F38BDBD2-9FFB-C74E-939A-F14B0BCAD260}"/>
               </a:ext>
             </a:extLst>
           </p:cNvPr>
@@ -2116,7 +2116,7 @@
           <a:bodyPr/>
           <a:lstStyle/>
           <a:p>
-            <a:fld id="{43E01B76-BF95-447A-AB95-6717000AC7B5}" type="slidenum">
+            <a:fld id="{81C50443-BF7D-4D4B-8C57-DD4127DEF340}" type="slidenum">
               <a:rPr lang="zh-CN" altLang="en-US" smtClean="0"/>
               <a:t>‹#›</a:t>
             </a:fld>
@@ -2127,7 +2127,7 @@
     </p:spTree>
     <p:extLst>
       <p:ext uri="{BB962C8B-B14F-4D97-AF65-F5344CB8AC3E}">
-        <p14:creationId xmlns:p14="http://schemas.microsoft.com/office/powerpoint/2010/main" val="3457801692"/>
+        <p14:creationId xmlns:p14="http://schemas.microsoft.com/office/powerpoint/2010/main" val="3177852711"/>
       </p:ext>
     </p:extLst>
   </p:cSld>
@@ -2159,7 +2159,7 @@
           <p:cNvPr id="2" name="标题 1">
             <a:extLst>
               <a:ext uri="{FF2B5EF4-FFF2-40B4-BE49-F238E27FC236}">
-                <a16:creationId xmlns:a16="http://schemas.microsoft.com/office/drawing/2014/main" id="{46EB57BA-A37C-7C28-DB6B-87D0104C9F19}"/>
+                <a16:creationId xmlns:a16="http://schemas.microsoft.com/office/drawing/2014/main" id="{6197E720-B0A0-22BA-403F-DD9E93DAD02E}"/>
               </a:ext>
             </a:extLst>
           </p:cNvPr>
@@ -2196,7 +2196,7 @@
           <p:cNvPr id="3" name="内容占位符 2">
             <a:extLst>
               <a:ext uri="{FF2B5EF4-FFF2-40B4-BE49-F238E27FC236}">
-                <a16:creationId xmlns:a16="http://schemas.microsoft.com/office/drawing/2014/main" id="{D7C6E860-2377-06AB-1282-E9F27C803C51}"/>
+                <a16:creationId xmlns:a16="http://schemas.microsoft.com/office/drawing/2014/main" id="{0AB68B60-89A9-4161-5AA3-7FAD1DE032AD}"/>
               </a:ext>
             </a:extLst>
           </p:cNvPr>
@@ -2286,7 +2286,7 @@
           <p:cNvPr id="4" name="文本占位符 3">
             <a:extLst>
               <a:ext uri="{FF2B5EF4-FFF2-40B4-BE49-F238E27FC236}">
-                <a16:creationId xmlns:a16="http://schemas.microsoft.com/office/drawing/2014/main" id="{4A67640F-220A-DD4B-7452-D87F5ACFC8EE}"/>
+                <a16:creationId xmlns:a16="http://schemas.microsoft.com/office/drawing/2014/main" id="{E05B0ADB-74C4-4750-5E97-603B84B793FB}"/>
               </a:ext>
             </a:extLst>
           </p:cNvPr>
@@ -2357,7 +2357,7 @@
           <p:cNvPr id="5" name="日期占位符 4">
             <a:extLst>
               <a:ext uri="{FF2B5EF4-FFF2-40B4-BE49-F238E27FC236}">
-                <a16:creationId xmlns:a16="http://schemas.microsoft.com/office/drawing/2014/main" id="{63144D8A-89E2-919A-E9FF-49E11A2D138F}"/>
+                <a16:creationId xmlns:a16="http://schemas.microsoft.com/office/drawing/2014/main" id="{B3BC0E98-5D87-565E-257F-6EC5FDCE4350}"/>
               </a:ext>
             </a:extLst>
           </p:cNvPr>
@@ -2373,7 +2373,7 @@
           <a:bodyPr/>
           <a:lstStyle/>
           <a:p>
-            <a:fld id="{E8919091-905A-4FDC-BA6F-AB4C3BC80C89}" type="datetimeFigureOut">
+            <a:fld id="{71D7DA7C-90F2-4F09-B638-774B62A02030}" type="datetimeFigureOut">
               <a:rPr lang="zh-CN" altLang="en-US" smtClean="0"/>
               <a:t>2024/3/10</a:t>
             </a:fld>
@@ -2386,7 +2386,7 @@
           <p:cNvPr id="6" name="页脚占位符 5">
             <a:extLst>
               <a:ext uri="{FF2B5EF4-FFF2-40B4-BE49-F238E27FC236}">
-                <a16:creationId xmlns:a16="http://schemas.microsoft.com/office/drawing/2014/main" id="{A6B97FC3-7E5C-C0D9-A417-360615FB20B9}"/>
+                <a16:creationId xmlns:a16="http://schemas.microsoft.com/office/drawing/2014/main" id="{AB7C8CD4-86C6-D61D-76CE-2F603987D473}"/>
               </a:ext>
             </a:extLst>
           </p:cNvPr>
@@ -2411,7 +2411,7 @@
           <p:cNvPr id="7" name="灯片编号占位符 6">
             <a:extLst>
               <a:ext uri="{FF2B5EF4-FFF2-40B4-BE49-F238E27FC236}">
-                <a16:creationId xmlns:a16="http://schemas.microsoft.com/office/drawing/2014/main" id="{C99546BB-0D20-8F19-0F04-046EE5AD3163}"/>
+                <a16:creationId xmlns:a16="http://schemas.microsoft.com/office/drawing/2014/main" id="{D16621CF-C436-FB3E-2876-A67BB02179A2}"/>
               </a:ext>
             </a:extLst>
           </p:cNvPr>
@@ -2427,7 +2427,7 @@
           <a:bodyPr/>
           <a:lstStyle/>
           <a:p>
-            <a:fld id="{43E01B76-BF95-447A-AB95-6717000AC7B5}" type="slidenum">
+            <a:fld id="{81C50443-BF7D-4D4B-8C57-DD4127DEF340}" type="slidenum">
               <a:rPr lang="zh-CN" altLang="en-US" smtClean="0"/>
               <a:t>‹#›</a:t>
             </a:fld>
@@ -2438,7 +2438,7 @@
     </p:spTree>
     <p:extLst>
       <p:ext uri="{BB962C8B-B14F-4D97-AF65-F5344CB8AC3E}">
-        <p14:creationId xmlns:p14="http://schemas.microsoft.com/office/powerpoint/2010/main" val="1544650980"/>
+        <p14:creationId xmlns:p14="http://schemas.microsoft.com/office/powerpoint/2010/main" val="2068974551"/>
       </p:ext>
     </p:extLst>
   </p:cSld>
@@ -2470,7 +2470,7 @@
           <p:cNvPr id="2" name="标题 1">
             <a:extLst>
               <a:ext uri="{FF2B5EF4-FFF2-40B4-BE49-F238E27FC236}">
-                <a16:creationId xmlns:a16="http://schemas.microsoft.com/office/drawing/2014/main" id="{48EF3A15-A659-3082-74C3-6613B3D101E4}"/>
+                <a16:creationId xmlns:a16="http://schemas.microsoft.com/office/drawing/2014/main" id="{A414041D-259E-EA8D-9BF2-20D89F80144D}"/>
               </a:ext>
             </a:extLst>
           </p:cNvPr>
@@ -2507,7 +2507,7 @@
           <p:cNvPr id="3" name="图片占位符 2">
             <a:extLst>
               <a:ext uri="{FF2B5EF4-FFF2-40B4-BE49-F238E27FC236}">
-                <a16:creationId xmlns:a16="http://schemas.microsoft.com/office/drawing/2014/main" id="{A72E7023-11F5-6970-7B35-285F9DCE96BA}"/>
+                <a16:creationId xmlns:a16="http://schemas.microsoft.com/office/drawing/2014/main" id="{FFF7BC40-96B0-6E6B-2B9E-BB8199BD3FCD}"/>
               </a:ext>
             </a:extLst>
           </p:cNvPr>
@@ -2574,7 +2574,7 @@
           <p:cNvPr id="4" name="文本占位符 3">
             <a:extLst>
               <a:ext uri="{FF2B5EF4-FFF2-40B4-BE49-F238E27FC236}">
-                <a16:creationId xmlns:a16="http://schemas.microsoft.com/office/drawing/2014/main" id="{F848C836-B5BF-7025-56DD-4E124B2F1608}"/>
+                <a16:creationId xmlns:a16="http://schemas.microsoft.com/office/drawing/2014/main" id="{38AB765C-7128-2895-6B0C-490BFDC96213}"/>
               </a:ext>
             </a:extLst>
           </p:cNvPr>
@@ -2645,7 +2645,7 @@
           <p:cNvPr id="5" name="日期占位符 4">
             <a:extLst>
               <a:ext uri="{FF2B5EF4-FFF2-40B4-BE49-F238E27FC236}">
-                <a16:creationId xmlns:a16="http://schemas.microsoft.com/office/drawing/2014/main" id="{24607356-5B1F-7278-C94C-1EF5BFA72CD4}"/>
+                <a16:creationId xmlns:a16="http://schemas.microsoft.com/office/drawing/2014/main" id="{6A18B129-0F4C-434E-C437-704BBB3B5DF6}"/>
               </a:ext>
             </a:extLst>
           </p:cNvPr>
@@ -2661,7 +2661,7 @@
           <a:bodyPr/>
           <a:lstStyle/>
           <a:p>
-            <a:fld id="{E8919091-905A-4FDC-BA6F-AB4C3BC80C89}" type="datetimeFigureOut">
+            <a:fld id="{71D7DA7C-90F2-4F09-B638-774B62A02030}" type="datetimeFigureOut">
               <a:rPr lang="zh-CN" altLang="en-US" smtClean="0"/>
               <a:t>2024/3/10</a:t>
             </a:fld>
@@ -2674,7 +2674,7 @@
           <p:cNvPr id="6" name="页脚占位符 5">
             <a:extLst>
               <a:ext uri="{FF2B5EF4-FFF2-40B4-BE49-F238E27FC236}">
-                <a16:creationId xmlns:a16="http://schemas.microsoft.com/office/drawing/2014/main" id="{70DC86A4-403F-3D7F-385A-C493EFA94156}"/>
+                <a16:creationId xmlns:a16="http://schemas.microsoft.com/office/drawing/2014/main" id="{358CFA20-6FE0-27DB-F898-76DB3A1A82FF}"/>
               </a:ext>
             </a:extLst>
           </p:cNvPr>
@@ -2699,7 +2699,7 @@
           <p:cNvPr id="7" name="灯片编号占位符 6">
             <a:extLst>
               <a:ext uri="{FF2B5EF4-FFF2-40B4-BE49-F238E27FC236}">
-                <a16:creationId xmlns:a16="http://schemas.microsoft.com/office/drawing/2014/main" id="{38CE4453-F80E-B1E1-92C9-62A5E3A47A3C}"/>
+                <a16:creationId xmlns:a16="http://schemas.microsoft.com/office/drawing/2014/main" id="{FA582557-9007-3497-63FE-A8AAE466DB3E}"/>
               </a:ext>
             </a:extLst>
           </p:cNvPr>
@@ -2715,7 +2715,7 @@
           <a:bodyPr/>
           <a:lstStyle/>
           <a:p>
-            <a:fld id="{43E01B76-BF95-447A-AB95-6717000AC7B5}" type="slidenum">
+            <a:fld id="{81C50443-BF7D-4D4B-8C57-DD4127DEF340}" type="slidenum">
               <a:rPr lang="zh-CN" altLang="en-US" smtClean="0"/>
               <a:t>‹#›</a:t>
             </a:fld>
@@ -2726,7 +2726,7 @@
     </p:spTree>
     <p:extLst>
       <p:ext uri="{BB962C8B-B14F-4D97-AF65-F5344CB8AC3E}">
-        <p14:creationId xmlns:p14="http://schemas.microsoft.com/office/powerpoint/2010/main" val="2669644853"/>
+        <p14:creationId xmlns:p14="http://schemas.microsoft.com/office/powerpoint/2010/main" val="1400680153"/>
       </p:ext>
     </p:extLst>
   </p:cSld>
@@ -2763,7 +2763,7 @@
           <p:cNvPr id="2" name="标题占位符 1">
             <a:extLst>
               <a:ext uri="{FF2B5EF4-FFF2-40B4-BE49-F238E27FC236}">
-                <a16:creationId xmlns:a16="http://schemas.microsoft.com/office/drawing/2014/main" id="{023726EF-3307-B3B8-4984-63501BA402C0}"/>
+                <a16:creationId xmlns:a16="http://schemas.microsoft.com/office/drawing/2014/main" id="{B97064D8-C652-6B45-E89D-6DD02A117F2E}"/>
               </a:ext>
             </a:extLst>
           </p:cNvPr>
@@ -2801,7 +2801,7 @@
           <p:cNvPr id="3" name="文本占位符 2">
             <a:extLst>
               <a:ext uri="{FF2B5EF4-FFF2-40B4-BE49-F238E27FC236}">
-                <a16:creationId xmlns:a16="http://schemas.microsoft.com/office/drawing/2014/main" id="{CB12B1F7-3696-E90C-6C90-31D9C8E803EF}"/>
+                <a16:creationId xmlns:a16="http://schemas.microsoft.com/office/drawing/2014/main" id="{9B92B699-D6BF-D568-C763-3DC24F46380C}"/>
               </a:ext>
             </a:extLst>
           </p:cNvPr>
@@ -2868,7 +2868,7 @@
           <p:cNvPr id="4" name="日期占位符 3">
             <a:extLst>
               <a:ext uri="{FF2B5EF4-FFF2-40B4-BE49-F238E27FC236}">
-                <a16:creationId xmlns:a16="http://schemas.microsoft.com/office/drawing/2014/main" id="{B14B5DAF-3FDE-984A-0753-BFF790A8EB36}"/>
+                <a16:creationId xmlns:a16="http://schemas.microsoft.com/office/drawing/2014/main" id="{F148C567-550E-4308-6576-9E6DAB86E008}"/>
               </a:ext>
             </a:extLst>
           </p:cNvPr>
@@ -2902,7 +2902,7 @@
             </a:lvl1pPr>
           </a:lstStyle>
           <a:p>
-            <a:fld id="{E8919091-905A-4FDC-BA6F-AB4C3BC80C89}" type="datetimeFigureOut">
+            <a:fld id="{71D7DA7C-90F2-4F09-B638-774B62A02030}" type="datetimeFigureOut">
               <a:rPr lang="zh-CN" altLang="en-US" smtClean="0"/>
               <a:t>2024/3/10</a:t>
             </a:fld>
@@ -2915,7 +2915,7 @@
           <p:cNvPr id="5" name="页脚占位符 4">
             <a:extLst>
               <a:ext uri="{FF2B5EF4-FFF2-40B4-BE49-F238E27FC236}">
-                <a16:creationId xmlns:a16="http://schemas.microsoft.com/office/drawing/2014/main" id="{7B6F5B6E-86DF-CCE0-56CA-B1C3B11807C4}"/>
+                <a16:creationId xmlns:a16="http://schemas.microsoft.com/office/drawing/2014/main" id="{9A58C860-9C8B-5206-72CA-58BCF8DBFB37}"/>
               </a:ext>
             </a:extLst>
           </p:cNvPr>
@@ -2958,7 +2958,7 @@
           <p:cNvPr id="6" name="灯片编号占位符 5">
             <a:extLst>
               <a:ext uri="{FF2B5EF4-FFF2-40B4-BE49-F238E27FC236}">
-                <a16:creationId xmlns:a16="http://schemas.microsoft.com/office/drawing/2014/main" id="{D5B9C053-0F60-6336-7657-C2FECBA6C4E3}"/>
+                <a16:creationId xmlns:a16="http://schemas.microsoft.com/office/drawing/2014/main" id="{90F3896F-E491-6BB2-DBF6-A49C60539149}"/>
               </a:ext>
             </a:extLst>
           </p:cNvPr>
@@ -2992,7 +2992,7 @@
             </a:lvl1pPr>
           </a:lstStyle>
           <a:p>
-            <a:fld id="{43E01B76-BF95-447A-AB95-6717000AC7B5}" type="slidenum">
+            <a:fld id="{81C50443-BF7D-4D4B-8C57-DD4127DEF340}" type="slidenum">
               <a:rPr lang="zh-CN" altLang="en-US" smtClean="0"/>
               <a:t>‹#›</a:t>
             </a:fld>
@@ -3003,7 +3003,7 @@
     </p:spTree>
     <p:extLst>
       <p:ext uri="{BB962C8B-B14F-4D97-AF65-F5344CB8AC3E}">
-        <p14:creationId xmlns:p14="http://schemas.microsoft.com/office/powerpoint/2010/main" val="1637972551"/>
+        <p14:creationId xmlns:p14="http://schemas.microsoft.com/office/powerpoint/2010/main" val="2330003307"/>
       </p:ext>
     </p:extLst>
   </p:cSld>
